--- a/Presentation.pptx
+++ b/Presentation.pptx
@@ -616,7 +616,6 @@
               <a:rPr lang="en-US" dirty="0" smtClean="0"/>
               <a:t>It’s possible to force the boxes to all be the same height, by setting height. In contrast to width, which is set using the 12-wide Bootstrap grid, height is specified in pixels. (This difference is because HTML/CSS layout handles width and height differently. Unfortunately, there isn’t a straightforward way to get equal column heights with Bootstrap.)</a:t>
             </a:r>
-            <a:endParaRPr lang="en-US" dirty="0" smtClean="0"/>
           </a:p>
         </p:txBody>
       </p:sp>
@@ -888,7 +887,6 @@
               <a:rPr lang="en-US" baseline="0" dirty="0" smtClean="0"/>
               <a:t> basic examples. We looked at loading in external data, reactive inputs and outputs and dynamic plots. </a:t>
             </a:r>
-            <a:endParaRPr lang="en-US" baseline="0" dirty="0" smtClean="0"/>
           </a:p>
           <a:p>
             <a:endParaRPr lang="en-US" baseline="0" dirty="0" smtClean="0"/>
@@ -4832,13 +4830,8 @@
           <a:p>
             <a:r>
               <a:rPr lang="en-US" dirty="0" smtClean="0"/>
-              <a:t>Part </a:t>
-            </a:r>
-            <a:r>
-              <a:rPr lang="en-US" dirty="0" smtClean="0"/>
-              <a:t>II</a:t>
-            </a:r>
-            <a:endParaRPr lang="en-US" dirty="0" smtClean="0"/>
+              <a:t>Part II</a:t>
+            </a:r>
           </a:p>
           <a:p>
             <a:endParaRPr lang="en-US" dirty="0" smtClean="0"/>
@@ -4859,11 +4852,7 @@
           <a:p>
             <a:r>
               <a:rPr lang="en-US" dirty="0" smtClean="0"/>
-              <a:t>June 20, </a:t>
-            </a:r>
-            <a:r>
-              <a:rPr lang="en-US" dirty="0" smtClean="0"/>
-              <a:t>2017</a:t>
+              <a:t>June 20, 2017</a:t>
             </a:r>
             <a:endParaRPr lang="en-US" dirty="0"/>
           </a:p>
@@ -5310,11 +5299,7 @@
             </a:pPr>
             <a:r>
               <a:rPr lang="en-US" sz="2400" dirty="0" smtClean="0"/>
-              <a:t>tabBox</a:t>
-            </a:r>
-            <a:r>
-              <a:rPr lang="en-US" sz="2400" dirty="0" smtClean="0"/>
-              <a:t>()</a:t>
+              <a:t>tabBox()</a:t>
             </a:r>
           </a:p>
           <a:p>
@@ -5324,11 +5309,7 @@
             </a:pPr>
             <a:r>
               <a:rPr lang="en-US" sz="2400" dirty="0" smtClean="0"/>
-              <a:t>tabPanel</a:t>
-            </a:r>
-            <a:r>
-              <a:rPr lang="en-US" sz="2400" dirty="0" smtClean="0"/>
-              <a:t>()</a:t>
+              <a:t>tabPanel()</a:t>
             </a:r>
             <a:endParaRPr lang="en-US" sz="2400" dirty="0"/>
           </a:p>
@@ -5481,11 +5462,7 @@
             </a:pPr>
             <a:r>
               <a:rPr lang="en-US" sz="2400" dirty="0" smtClean="0"/>
-              <a:t>infoBox</a:t>
-            </a:r>
-            <a:r>
-              <a:rPr lang="en-US" sz="2400" dirty="0" smtClean="0"/>
-              <a:t>()</a:t>
+              <a:t>infoBox()</a:t>
             </a:r>
           </a:p>
           <a:p>
@@ -5537,11 +5514,7 @@
             </a:pPr>
             <a:r>
               <a:rPr lang="en-US" sz="2400" dirty="0" smtClean="0"/>
-              <a:t>valueBox</a:t>
-            </a:r>
-            <a:r>
-              <a:rPr lang="en-US" sz="2400" dirty="0" smtClean="0"/>
-              <a:t>()</a:t>
+              <a:t>valueBox()</a:t>
             </a:r>
             <a:endParaRPr lang="en-US" sz="2400" dirty="0"/>
           </a:p>
@@ -5654,11 +5627,7 @@
           <a:p>
             <a:r>
               <a:rPr lang="en-US" dirty="0" smtClean="0"/>
-              <a:t>fluidRow</a:t>
-            </a:r>
-            <a:r>
-              <a:rPr lang="en-US" dirty="0" smtClean="0"/>
-              <a:t>()</a:t>
+              <a:t>fluidRow()</a:t>
             </a:r>
             <a:endParaRPr lang="en-US" dirty="0"/>
           </a:p>
@@ -5896,15 +5865,7 @@
           <a:p>
             <a:r>
               <a:rPr lang="en-US" dirty="0" smtClean="0"/>
-              <a:t>Mixed </a:t>
-            </a:r>
-            <a:r>
-              <a:rPr lang="en-US" dirty="0" smtClean="0"/>
-              <a:t>fluidRow</a:t>
-            </a:r>
-            <a:r>
-              <a:rPr lang="en-US" dirty="0" smtClean="0"/>
-              <a:t>() and columns()</a:t>
+              <a:t>Mixed fluidRow() and columns()</a:t>
             </a:r>
             <a:endParaRPr lang="en-US" dirty="0"/>
           </a:p>
@@ -6100,11 +6061,7 @@
             <a:pPr marL="457200"/>
             <a:r>
               <a:rPr lang="en-US" sz="2000" dirty="0" smtClean="0"/>
-              <a:t>Shinyapps.io</a:t>
-            </a:r>
-            <a:r>
-              <a:rPr lang="en-US" sz="2000" dirty="0" smtClean="0"/>
-              <a:t> (Hosting – Free and Paid)</a:t>
+              <a:t>Shinyapps.io (Hosting – Free and Paid)</a:t>
             </a:r>
           </a:p>
           <a:p>
@@ -6115,13 +6072,7 @@
               <a:rPr lang="en-US" sz="1600" dirty="0" smtClean="0">
                 <a:hlinkClick r:id="rId5"/>
               </a:rPr>
-              <a:t>https://www.shinyapps.io</a:t>
-            </a:r>
-            <a:r>
-              <a:rPr lang="en-US" sz="1600" dirty="0" smtClean="0">
-                <a:hlinkClick r:id="rId5"/>
-              </a:rPr>
-              <a:t>/</a:t>
+              <a:t>https://www.shinyapps.io/</a:t>
             </a:r>
             <a:endParaRPr lang="en-US" sz="1600" dirty="0" smtClean="0"/>
           </a:p>
@@ -6131,7 +6082,6 @@
               <a:rPr lang="en-US" sz="2000" dirty="0" smtClean="0"/>
               <a:t>Shinydashboard</a:t>
             </a:r>
-            <a:endParaRPr lang="en-US" sz="2000" dirty="0" smtClean="0"/>
           </a:p>
           <a:p>
             <a:pPr marL="571500" lvl="1" indent="0">
@@ -6175,12 +6125,30 @@
               <a:buNone/>
             </a:pPr>
             <a:r>
-              <a:rPr lang="en-US" sz="1600" dirty="0" smtClean="0">
+              <a:rPr lang="en-US" sz="1600" dirty="0">
                 <a:hlinkClick r:id="rId7"/>
               </a:rPr>
-              <a:t>https://github.com/cabradbury/shiny-apps-part1</a:t>
-            </a:r>
-            <a:endParaRPr lang="en-US" sz="1600" dirty="0" smtClean="0"/>
+              <a:t>https://github.com/cabradbury</a:t>
+            </a:r>
+            <a:r>
+              <a:rPr lang="en-US" sz="1600">
+                <a:hlinkClick r:id="rId7"/>
+              </a:rPr>
+              <a:t>/shiny-apps</a:t>
+            </a:r>
+            <a:r>
+              <a:rPr lang="en-US" sz="1600">
+                <a:hlinkClick r:id="rId7"/>
+              </a:rPr>
+              <a:t>-</a:t>
+            </a:r>
+            <a:r>
+              <a:rPr lang="en-US" sz="1600" smtClean="0">
+                <a:hlinkClick r:id="rId7"/>
+              </a:rPr>
+              <a:t>part2</a:t>
+            </a:r>
+            <a:endParaRPr lang="en-US" sz="1600" smtClean="0"/>
           </a:p>
           <a:p>
             <a:pPr marL="628650" lvl="1" indent="0">
@@ -6290,7 +6258,6 @@
               <a:rPr lang="en-US" dirty="0" smtClean="0"/>
               <a:t>ShinyDashboard</a:t>
             </a:r>
-            <a:endParaRPr lang="en-US" dirty="0" smtClean="0"/>
           </a:p>
           <a:p>
             <a:pPr marL="914400" lvl="1" indent="-514350">
@@ -6343,11 +6310,7 @@
             </a:r>
             <a:r>
               <a:rPr lang="en-US" dirty="0" smtClean="0"/>
-              <a:t>luidRow</a:t>
-            </a:r>
-            <a:r>
-              <a:rPr lang="en-US" dirty="0" smtClean="0"/>
-              <a:t>(), column()</a:t>
+              <a:t>luidRow(), column()</a:t>
             </a:r>
           </a:p>
           <a:p>
@@ -6357,37 +6320,8 @@
             </a:pPr>
             <a:r>
               <a:rPr lang="en-US" dirty="0" smtClean="0"/>
-              <a:t>tabBox</a:t>
-            </a:r>
-            <a:r>
-              <a:rPr lang="en-US" dirty="0" smtClean="0"/>
-              <a:t>() / </a:t>
-            </a:r>
-            <a:r>
-              <a:rPr lang="en-US" dirty="0" smtClean="0"/>
-              <a:t>tabPanel</a:t>
-            </a:r>
-            <a:r>
-              <a:rPr lang="en-US" dirty="0" smtClean="0"/>
-              <a:t>(), </a:t>
-            </a:r>
-            <a:r>
-              <a:rPr lang="en-US" dirty="0" smtClean="0"/>
-              <a:t>infoBox</a:t>
-            </a:r>
-            <a:r>
-              <a:rPr lang="en-US" dirty="0" smtClean="0"/>
-              <a:t>(), </a:t>
-            </a:r>
-            <a:r>
-              <a:rPr lang="en-US" dirty="0" smtClean="0"/>
-              <a:t>valueBox</a:t>
-            </a:r>
-            <a:r>
-              <a:rPr lang="en-US" dirty="0" smtClean="0"/>
-              <a:t>()</a:t>
-            </a:r>
-            <a:endParaRPr lang="en-US" dirty="0" smtClean="0"/>
+              <a:t>tabBox() / tabPanel(), infoBox(), valueBox()</a:t>
+            </a:r>
           </a:p>
           <a:p>
             <a:pPr marL="514350" indent="-514350">
@@ -6396,13 +6330,8 @@
             </a:pPr>
             <a:r>
               <a:rPr lang="en-US" dirty="0" smtClean="0"/>
-              <a:t>Plotly</a:t>
-            </a:r>
-            <a:r>
-              <a:rPr lang="en-US" dirty="0" smtClean="0"/>
-              <a:t> &amp; Shiny</a:t>
-            </a:r>
-            <a:endParaRPr lang="en-US" dirty="0" smtClean="0"/>
+              <a:t>Plotly &amp; Shiny</a:t>
+            </a:r>
           </a:p>
           <a:p>
             <a:pPr marL="514350" indent="-514350">
@@ -6520,7 +6449,6 @@
               <a:rPr lang="en-US" dirty="0" smtClean="0"/>
               <a:t>Basic Examples</a:t>
             </a:r>
-            <a:endParaRPr lang="en-US" dirty="0" smtClean="0"/>
           </a:p>
           <a:p>
             <a:endParaRPr lang="en-US" dirty="0"/>
@@ -6613,54 +6541,30 @@
               <a:rPr lang="en-US" dirty="0" smtClean="0"/>
               <a:t>Provides rapid dashboard deployment</a:t>
             </a:r>
-            <a:endParaRPr lang="en-US" dirty="0" smtClean="0"/>
           </a:p>
           <a:p>
             <a:r>
               <a:rPr lang="en-US" dirty="0" smtClean="0"/>
               <a:t>Implements bootstrap and responsiveness</a:t>
             </a:r>
-            <a:endParaRPr lang="en-US" dirty="0" smtClean="0"/>
           </a:p>
           <a:p>
             <a:r>
               <a:rPr lang="en-US" dirty="0" smtClean="0"/>
               <a:t>Headers, Sidebars and Pages</a:t>
             </a:r>
-            <a:endParaRPr lang="en-US" dirty="0" smtClean="0"/>
           </a:p>
           <a:p>
             <a:r>
               <a:rPr lang="en-US" dirty="0" smtClean="0"/>
-              <a:t>box(), </a:t>
-            </a:r>
+              <a:t>box(), tabBox()</a:t>
+            </a:r>
+          </a:p>
+          <a:p>
             <a:r>
               <a:rPr lang="en-US" dirty="0" smtClean="0"/>
-              <a:t>tabBox</a:t>
-            </a:r>
-            <a:r>
-              <a:rPr lang="en-US" dirty="0" smtClean="0"/>
-              <a:t>()</a:t>
-            </a:r>
-          </a:p>
-          <a:p>
-            <a:r>
-              <a:rPr lang="en-US" dirty="0" smtClean="0"/>
-              <a:t>infoBox</a:t>
-            </a:r>
-            <a:r>
-              <a:rPr lang="en-US" dirty="0" smtClean="0"/>
-              <a:t>(), </a:t>
-            </a:r>
-            <a:r>
-              <a:rPr lang="en-US" dirty="0" smtClean="0"/>
-              <a:t>valueBox</a:t>
-            </a:r>
-            <a:r>
-              <a:rPr lang="en-US" dirty="0" smtClean="0"/>
-              <a:t>()</a:t>
-            </a:r>
-            <a:endParaRPr lang="en-US" dirty="0" smtClean="0"/>
+              <a:t>infoBox(), valueBox()</a:t>
+            </a:r>
           </a:p>
           <a:p>
             <a:r>
@@ -6688,7 +6592,6 @@
               <a:rPr lang="en-US" dirty="0" smtClean="0"/>
               <a:t>Mixed</a:t>
             </a:r>
-            <a:endParaRPr lang="en-US" dirty="0" smtClean="0"/>
           </a:p>
           <a:p>
             <a:endParaRPr lang="en-US" dirty="0"/>
